--- a/pracownia_dyplomowa_Damian_Murawski.pptx
+++ b/pracownia_dyplomowa_Damian_Murawski.pptx
@@ -107,6 +107,11 @@
       </a:defRPr>
     </a:lvl9pPr>
   </p:defaultTextStyle>
+  <p:extLst>
+    <p:ext uri="{EFAFB233-063F-42B5-8137-9DF3F51BA10A}">
+      <p15:sldGuideLst xmlns:p15="http://schemas.microsoft.com/office/powerpoint/2012/main"/>
+    </p:ext>
+  </p:extLst>
 </p:presentation>
 </file>
 
@@ -1321,7 +1326,7 @@
           <a:p>
             <a:fld id="{128F2176-6D73-4A27-907A-2C6BD2B96F6E}" type="datetimeFigureOut">
               <a:rPr lang="pl-PL" smtClean="0"/>
-              <a:t>10.05.2022</a:t>
+              <a:t>07.06.2022</a:t>
             </a:fld>
             <a:endParaRPr lang="pl-PL"/>
           </a:p>
@@ -1559,7 +1564,7 @@
           <a:p>
             <a:fld id="{128F2176-6D73-4A27-907A-2C6BD2B96F6E}" type="datetimeFigureOut">
               <a:rPr lang="pl-PL" smtClean="0"/>
-              <a:t>10.05.2022</a:t>
+              <a:t>07.06.2022</a:t>
             </a:fld>
             <a:endParaRPr lang="pl-PL"/>
           </a:p>
@@ -1739,7 +1744,7 @@
           <a:p>
             <a:fld id="{128F2176-6D73-4A27-907A-2C6BD2B96F6E}" type="datetimeFigureOut">
               <a:rPr lang="pl-PL" smtClean="0"/>
-              <a:t>10.05.2022</a:t>
+              <a:t>07.06.2022</a:t>
             </a:fld>
             <a:endParaRPr lang="pl-PL"/>
           </a:p>
@@ -1909,7 +1914,7 @@
           <a:p>
             <a:fld id="{128F2176-6D73-4A27-907A-2C6BD2B96F6E}" type="datetimeFigureOut">
               <a:rPr lang="pl-PL" smtClean="0"/>
-              <a:t>10.05.2022</a:t>
+              <a:t>07.06.2022</a:t>
             </a:fld>
             <a:endParaRPr lang="pl-PL"/>
           </a:p>
@@ -2185,7 +2190,7 @@
           <a:p>
             <a:fld id="{128F2176-6D73-4A27-907A-2C6BD2B96F6E}" type="datetimeFigureOut">
               <a:rPr lang="pl-PL" smtClean="0"/>
-              <a:t>10.05.2022</a:t>
+              <a:t>07.06.2022</a:t>
             </a:fld>
             <a:endParaRPr lang="pl-PL"/>
           </a:p>
@@ -3386,7 +3391,7 @@
           <a:p>
             <a:fld id="{128F2176-6D73-4A27-907A-2C6BD2B96F6E}" type="datetimeFigureOut">
               <a:rPr lang="pl-PL" smtClean="0"/>
-              <a:t>10.05.2022</a:t>
+              <a:t>07.06.2022</a:t>
             </a:fld>
             <a:endParaRPr lang="pl-PL"/>
           </a:p>
@@ -3776,7 +3781,7 @@
           <a:p>
             <a:fld id="{128F2176-6D73-4A27-907A-2C6BD2B96F6E}" type="datetimeFigureOut">
               <a:rPr lang="pl-PL" smtClean="0"/>
-              <a:t>10.05.2022</a:t>
+              <a:t>07.06.2022</a:t>
             </a:fld>
             <a:endParaRPr lang="pl-PL"/>
           </a:p>
@@ -3899,7 +3904,7 @@
           <a:p>
             <a:fld id="{128F2176-6D73-4A27-907A-2C6BD2B96F6E}" type="datetimeFigureOut">
               <a:rPr lang="pl-PL" smtClean="0"/>
-              <a:t>10.05.2022</a:t>
+              <a:t>07.06.2022</a:t>
             </a:fld>
             <a:endParaRPr lang="pl-PL"/>
           </a:p>
@@ -3994,7 +3999,7 @@
           <a:p>
             <a:fld id="{128F2176-6D73-4A27-907A-2C6BD2B96F6E}" type="datetimeFigureOut">
               <a:rPr lang="pl-PL" smtClean="0"/>
-              <a:t>10.05.2022</a:t>
+              <a:t>07.06.2022</a:t>
             </a:fld>
             <a:endParaRPr lang="pl-PL"/>
           </a:p>
@@ -4757,7 +4762,7 @@
           <a:p>
             <a:fld id="{128F2176-6D73-4A27-907A-2C6BD2B96F6E}" type="datetimeFigureOut">
               <a:rPr lang="pl-PL" smtClean="0"/>
-              <a:t>10.05.2022</a:t>
+              <a:t>07.06.2022</a:t>
             </a:fld>
             <a:endParaRPr lang="pl-PL"/>
           </a:p>
@@ -5597,7 +5602,7 @@
           <a:p>
             <a:fld id="{128F2176-6D73-4A27-907A-2C6BD2B96F6E}" type="datetimeFigureOut">
               <a:rPr lang="pl-PL" smtClean="0"/>
-              <a:t>10.05.2022</a:t>
+              <a:t>07.06.2022</a:t>
             </a:fld>
             <a:endParaRPr lang="pl-PL"/>
           </a:p>
@@ -5824,7 +5829,7 @@
           <a:p>
             <a:fld id="{128F2176-6D73-4A27-907A-2C6BD2B96F6E}" type="datetimeFigureOut">
               <a:rPr lang="pl-PL" smtClean="0"/>
-              <a:t>10.05.2022</a:t>
+              <a:t>07.06.2022</a:t>
             </a:fld>
             <a:endParaRPr lang="pl-PL"/>
           </a:p>
@@ -7166,104 +7171,144 @@
         </p:spPr>
         <p:txBody>
           <a:bodyPr numCol="2">
-            <a:normAutofit/>
+            <a:normAutofit fontScale="55000" lnSpcReduction="20000"/>
           </a:bodyPr>
           <a:lstStyle/>
-          <a:p>
-            <a:r>
-              <a:rPr lang="pl-PL" dirty="0"/>
-              <a:t>Przeglądanie floty firmowej,</a:t>
-            </a:r>
-          </a:p>
-          <a:p>
-            <a:r>
-              <a:rPr lang="pl-PL" dirty="0"/>
-              <a:t>Przeglądanie Kierowców firmowych,</a:t>
-            </a:r>
-          </a:p>
-          <a:p>
-            <a:r>
-              <a:rPr lang="pl-PL" dirty="0"/>
-              <a:t>Harmonogram zajętości Kierowców,</a:t>
-            </a:r>
-          </a:p>
-          <a:p>
-            <a:r>
-              <a:rPr lang="pl-PL" dirty="0"/>
-              <a:t>Harmonogram zajętości Samochodów,</a:t>
-            </a:r>
-          </a:p>
-          <a:p>
-            <a:r>
-              <a:rPr lang="pl-PL" dirty="0"/>
-              <a:t>Dodawanie zleceń do Kierowców,</a:t>
-            </a:r>
-          </a:p>
-          <a:p>
-            <a:r>
-              <a:rPr lang="pl-PL" dirty="0"/>
-              <a:t>Historia Napraw Samochodów,</a:t>
-            </a:r>
-          </a:p>
-          <a:p>
-            <a:r>
-              <a:rPr lang="pl-PL" dirty="0"/>
-              <a:t>Możliwość założenia konta dla Kierowcy, </a:t>
-            </a:r>
-          </a:p>
-          <a:p>
-            <a:r>
-              <a:rPr lang="pl-PL" dirty="0"/>
-              <a:t>Możliwość założenia konta dla Klienta, </a:t>
-            </a:r>
-          </a:p>
-          <a:p>
-            <a:r>
-              <a:rPr lang="pl-PL" dirty="0"/>
-              <a:t>Dostosowanie wyglądu do urządzeń mobilnych,</a:t>
-            </a:r>
-          </a:p>
-          <a:p>
-            <a:r>
-              <a:rPr lang="pl-PL" dirty="0"/>
-              <a:t>Dodawanie Samochodów do floty firmowej,</a:t>
-            </a:r>
-          </a:p>
-          <a:p>
-            <a:r>
-              <a:rPr lang="pl-PL" dirty="0"/>
-              <a:t>Dodawanie Kierowców do floty firmowej, </a:t>
-            </a:r>
-          </a:p>
-          <a:p>
-            <a:r>
-              <a:rPr lang="pl-PL" dirty="0"/>
-              <a:t>Widok Administracyjny w systemie,</a:t>
-            </a:r>
-          </a:p>
-          <a:p>
-            <a:r>
-              <a:rPr lang="pl-PL" dirty="0"/>
-              <a:t>Zamawianie usług transportowych przez Klienta</a:t>
-            </a:r>
-          </a:p>
-          <a:p>
-            <a:endParaRPr lang="pl-PL" dirty="0"/>
-          </a:p>
-          <a:p>
-            <a:endParaRPr lang="pl-PL" dirty="0"/>
-          </a:p>
-          <a:p>
-            <a:endParaRPr lang="pl-PL" dirty="0"/>
-          </a:p>
           <a:p>
             <a:pPr marL="0" indent="0">
               <a:buNone/>
             </a:pPr>
-            <a:endParaRPr lang="pl-PL" dirty="0"/>
-          </a:p>
-          <a:p>
-            <a:endParaRPr lang="pl-PL" dirty="0"/>
+            <a:r>
+              <a:rPr lang="pl-PL" sz="3600" b="1" dirty="0"/>
+              <a:t>Administrator:</a:t>
+            </a:r>
+          </a:p>
+          <a:p>
+            <a:r>
+              <a:rPr lang="pl-PL" sz="3600" dirty="0"/>
+              <a:t>Przeglądanie floty firmowej,</a:t>
+            </a:r>
+          </a:p>
+          <a:p>
+            <a:r>
+              <a:rPr lang="pl-PL" sz="3600" dirty="0"/>
+              <a:t>Przeglądanie Kierowców firmowych,</a:t>
+            </a:r>
+          </a:p>
+          <a:p>
+            <a:r>
+              <a:rPr lang="pl-PL" sz="3600" dirty="0"/>
+              <a:t>Dodawanie zleceń do Kierowców,</a:t>
+            </a:r>
+          </a:p>
+          <a:p>
+            <a:r>
+              <a:rPr lang="pl-PL" sz="3600" dirty="0"/>
+              <a:t>Dostosowanie wyglądu do urządzeń mobilnych,</a:t>
+            </a:r>
+          </a:p>
+          <a:p>
+            <a:r>
+              <a:rPr lang="pl-PL" sz="3600" dirty="0"/>
+              <a:t>Dodawanie Samochodów do floty firmowej,</a:t>
+            </a:r>
+          </a:p>
+          <a:p>
+            <a:r>
+              <a:rPr lang="pl-PL" sz="3600"/>
+              <a:t>Dodawanie Kierowców, </a:t>
+            </a:r>
+            <a:endParaRPr lang="pl-PL" sz="3600" dirty="0"/>
+          </a:p>
+          <a:p>
+            <a:r>
+              <a:rPr lang="pl-PL" sz="3600" dirty="0"/>
+              <a:t>Widok Administracyjny w systemie,</a:t>
+            </a:r>
+          </a:p>
+          <a:p>
+            <a:pPr marL="0" indent="0">
+              <a:buNone/>
+            </a:pPr>
+            <a:endParaRPr lang="pl-PL" sz="3600" dirty="0"/>
+          </a:p>
+          <a:p>
+            <a:pPr marL="0" indent="0">
+              <a:buNone/>
+            </a:pPr>
+            <a:endParaRPr lang="pl-PL" sz="3600" dirty="0"/>
+          </a:p>
+          <a:p>
+            <a:pPr marL="0" indent="0">
+              <a:buNone/>
+            </a:pPr>
+            <a:endParaRPr lang="pl-PL" sz="3600" dirty="0"/>
+          </a:p>
+          <a:p>
+            <a:pPr marL="0" indent="0">
+              <a:buNone/>
+            </a:pPr>
+            <a:r>
+              <a:rPr lang="pl-PL" sz="3600" b="1" dirty="0"/>
+              <a:t>Klient:</a:t>
+            </a:r>
+          </a:p>
+          <a:p>
+            <a:r>
+              <a:rPr lang="pl-PL" sz="3600" dirty="0"/>
+              <a:t>Zamawianie usług transportowych przez Klienta</a:t>
+            </a:r>
+          </a:p>
+          <a:p>
+            <a:r>
+              <a:rPr lang="pl-PL" sz="3600" dirty="0"/>
+              <a:t>Możliwość założenia konta dla Klienta, </a:t>
+            </a:r>
+          </a:p>
+          <a:p>
+            <a:r>
+              <a:rPr lang="pl-PL" sz="3600" dirty="0"/>
+              <a:t>Przeglądanie floty firmowej,</a:t>
+            </a:r>
+          </a:p>
+          <a:p>
+            <a:r>
+              <a:rPr lang="pl-PL" sz="3600" dirty="0"/>
+              <a:t>Harmonogram zajętości Kierowców,</a:t>
+            </a:r>
+          </a:p>
+          <a:p>
+            <a:pPr marL="0" indent="0">
+              <a:buNone/>
+            </a:pPr>
+            <a:r>
+              <a:rPr lang="pl-PL" sz="3600" b="1" dirty="0"/>
+              <a:t>Kierowca:</a:t>
+            </a:r>
+          </a:p>
+          <a:p>
+            <a:r>
+              <a:rPr lang="pl-PL" sz="3600" dirty="0"/>
+              <a:t>Możliwość założenia konta dla Kierowcy, </a:t>
+            </a:r>
+          </a:p>
+          <a:p>
+            <a:r>
+              <a:rPr lang="pl-PL" sz="3600" dirty="0"/>
+              <a:t>Harmonogram zajętości Samochodów,</a:t>
+            </a:r>
+          </a:p>
+          <a:p>
+            <a:r>
+              <a:rPr lang="pl-PL" sz="3600" dirty="0"/>
+              <a:t>Historia Napraw Samochodów,</a:t>
+            </a:r>
+          </a:p>
+          <a:p>
+            <a:r>
+              <a:rPr lang="pl-PL" sz="3600" dirty="0"/>
+              <a:t>Dodawanie wydatków eksploatacyjnych samochodu(paliwo, itd.)</a:t>
+            </a:r>
           </a:p>
         </p:txBody>
       </p:sp>
